--- a/Calendario2021/BasesDeDatos/Huerta_Clase.pptx
+++ b/Calendario2021/BasesDeDatos/Huerta_Clase.pptx
@@ -5025,130 +5025,6 @@
       </p:sp>
       <p:sp>
         <p:nvSpPr>
-          <p:cNvPr id="2123" name="Line 75"/>
-          <p:cNvSpPr>
-            <a:spLocks noChangeShapeType="1"/>
-          </p:cNvSpPr>
-          <p:nvPr/>
-        </p:nvSpPr>
-        <p:spPr bwMode="auto">
-          <a:xfrm>
-            <a:off x="6071592" y="2267794"/>
-            <a:ext cx="228600" cy="1587"/>
-          </a:xfrm>
-          <a:prstGeom prst="line">
-            <a:avLst/>
-          </a:prstGeom>
-          <a:noFill/>
-          <a:ln w="9525">
-            <a:solidFill>
-              <a:schemeClr val="tx1"/>
-            </a:solidFill>
-            <a:round/>
-            <a:headEnd/>
-            <a:tailEnd/>
-          </a:ln>
-          <a:effectLst/>
-          <a:extLst>
-            <a:ext uri="{909E8E84-426E-40DD-AFC4-6F175D3DCCD1}">
-              <a14:hiddenFill xmlns:a14="http://schemas.microsoft.com/office/drawing/2010/main">
-                <a:noFill/>
-              </a14:hiddenFill>
-            </a:ext>
-            <a:ext uri="{AF507438-7753-43E0-B8FC-AC1667EBCBE1}">
-              <a14:hiddenEffects xmlns:a14="http://schemas.microsoft.com/office/drawing/2010/main">
-                <a:effectLst>
-                  <a:outerShdw dist="35921" dir="2700000" algn="ctr" rotWithShape="0">
-                    <a:schemeClr val="bg2"/>
-                  </a:outerShdw>
-                </a:effectLst>
-              </a14:hiddenEffects>
-            </a:ext>
-          </a:extLst>
-        </p:spPr>
-        <p:txBody>
-          <a:bodyPr/>
-          <a:lstStyle/>
-          <a:p>
-            <a:endParaRPr lang="es-MX" dirty="0"/>
-          </a:p>
-        </p:txBody>
-      </p:sp>
-      <p:sp>
-        <p:nvSpPr>
-          <p:cNvPr id="2124" name="Text Box 76"/>
-          <p:cNvSpPr txBox="1">
-            <a:spLocks noChangeArrowheads="1"/>
-          </p:cNvSpPr>
-          <p:nvPr/>
-        </p:nvSpPr>
-        <p:spPr bwMode="auto">
-          <a:xfrm>
-            <a:off x="4886962" y="2121148"/>
-            <a:ext cx="1066800" cy="274638"/>
-          </a:xfrm>
-          <a:prstGeom prst="rect">
-            <a:avLst/>
-          </a:prstGeom>
-          <a:noFill/>
-          <a:ln>
-            <a:noFill/>
-          </a:ln>
-          <a:effectLst/>
-          <a:extLst>
-            <a:ext uri="{909E8E84-426E-40DD-AFC4-6F175D3DCCD1}">
-              <a14:hiddenFill xmlns:a14="http://schemas.microsoft.com/office/drawing/2010/main">
-                <a:solidFill>
-                  <a:schemeClr val="accent1"/>
-                </a:solidFill>
-              </a14:hiddenFill>
-            </a:ext>
-            <a:ext uri="{91240B29-F687-4F45-9708-019B960494DF}">
-              <a14:hiddenLine xmlns:a14="http://schemas.microsoft.com/office/drawing/2010/main" w="9525">
-                <a:solidFill>
-                  <a:schemeClr val="tx1"/>
-                </a:solidFill>
-                <a:miter lim="800000"/>
-                <a:headEnd/>
-                <a:tailEnd/>
-              </a14:hiddenLine>
-            </a:ext>
-            <a:ext uri="{AF507438-7753-43E0-B8FC-AC1667EBCBE1}">
-              <a14:hiddenEffects xmlns:a14="http://schemas.microsoft.com/office/drawing/2010/main">
-                <a:effectLst>
-                  <a:outerShdw dist="35921" dir="2700000" algn="ctr" rotWithShape="0">
-                    <a:schemeClr val="bg2"/>
-                  </a:outerShdw>
-                </a:effectLst>
-              </a14:hiddenEffects>
-            </a:ext>
-          </a:extLst>
-        </p:spPr>
-        <p:txBody>
-          <a:bodyPr>
-            <a:spAutoFit/>
-          </a:bodyPr>
-          <a:lstStyle/>
-          <a:p>
-            <a:pPr algn="ctr">
-              <a:spcBef>
-                <a:spcPct val="50000"/>
-              </a:spcBef>
-            </a:pPr>
-            <a:r>
-              <a:rPr lang="es-MX" altLang="es-MX" sz="1200" dirty="0">
-                <a:latin typeface="Arial" panose="020B0604020202020204" pitchFamily="34" charset="0"/>
-              </a:rPr>
-              <a:t>Cantidad</a:t>
-            </a:r>
-            <a:endParaRPr lang="es-ES" altLang="es-MX" sz="1200" dirty="0">
-              <a:latin typeface="Arial" panose="020B0604020202020204" pitchFamily="34" charset="0"/>
-            </a:endParaRPr>
-          </a:p>
-        </p:txBody>
-      </p:sp>
-      <p:sp>
-        <p:nvSpPr>
           <p:cNvPr id="2128" name="Oval 80"/>
           <p:cNvSpPr>
             <a:spLocks noChangeArrowheads="1"/>
@@ -5159,59 +5035,6 @@
           <a:xfrm>
             <a:off x="7620000" y="2492375"/>
             <a:ext cx="1219200" cy="288925"/>
-          </a:xfrm>
-          <a:prstGeom prst="ellipse">
-            <a:avLst/>
-          </a:prstGeom>
-          <a:noFill/>
-          <a:ln w="9525">
-            <a:solidFill>
-              <a:schemeClr val="tx1"/>
-            </a:solidFill>
-            <a:round/>
-            <a:headEnd/>
-            <a:tailEnd/>
-          </a:ln>
-          <a:effectLst/>
-          <a:extLst>
-            <a:ext uri="{909E8E84-426E-40DD-AFC4-6F175D3DCCD1}">
-              <a14:hiddenFill xmlns:a14="http://schemas.microsoft.com/office/drawing/2010/main">
-                <a:solidFill>
-                  <a:schemeClr val="accent1"/>
-                </a:solidFill>
-              </a14:hiddenFill>
-            </a:ext>
-            <a:ext uri="{AF507438-7753-43E0-B8FC-AC1667EBCBE1}">
-              <a14:hiddenEffects xmlns:a14="http://schemas.microsoft.com/office/drawing/2010/main">
-                <a:effectLst>
-                  <a:outerShdw dist="35921" dir="2700000" algn="ctr" rotWithShape="0">
-                    <a:schemeClr val="bg2"/>
-                  </a:outerShdw>
-                </a:effectLst>
-              </a14:hiddenEffects>
-            </a:ext>
-          </a:extLst>
-        </p:spPr>
-        <p:txBody>
-          <a:bodyPr wrap="none" anchor="ctr"/>
-          <a:lstStyle/>
-          <a:p>
-            <a:endParaRPr lang="es-MX" dirty="0"/>
-          </a:p>
-        </p:txBody>
-      </p:sp>
-      <p:sp>
-        <p:nvSpPr>
-          <p:cNvPr id="2130" name="Oval 82"/>
-          <p:cNvSpPr>
-            <a:spLocks noChangeArrowheads="1"/>
-          </p:cNvSpPr>
-          <p:nvPr/>
-        </p:nvSpPr>
-        <p:spPr bwMode="auto">
-          <a:xfrm>
-            <a:off x="4851822" y="2132856"/>
-            <a:ext cx="1219200" cy="274638"/>
           </a:xfrm>
           <a:prstGeom prst="ellipse">
             <a:avLst/>
@@ -5784,79 +5607,6 @@
       </p:sp>
       <p:sp>
         <p:nvSpPr>
-          <p:cNvPr id="2165" name="Text Box 117"/>
-          <p:cNvSpPr txBox="1">
-            <a:spLocks noChangeArrowheads="1"/>
-          </p:cNvSpPr>
-          <p:nvPr/>
-        </p:nvSpPr>
-        <p:spPr bwMode="auto">
-          <a:xfrm>
-            <a:off x="4807296" y="2706513"/>
-            <a:ext cx="1066800" cy="274638"/>
-          </a:xfrm>
-          <a:prstGeom prst="rect">
-            <a:avLst/>
-          </a:prstGeom>
-          <a:noFill/>
-          <a:ln>
-            <a:noFill/>
-          </a:ln>
-          <a:effectLst/>
-          <a:extLst>
-            <a:ext uri="{909E8E84-426E-40DD-AFC4-6F175D3DCCD1}">
-              <a14:hiddenFill xmlns:a14="http://schemas.microsoft.com/office/drawing/2010/main">
-                <a:solidFill>
-                  <a:schemeClr val="accent1"/>
-                </a:solidFill>
-              </a14:hiddenFill>
-            </a:ext>
-            <a:ext uri="{91240B29-F687-4F45-9708-019B960494DF}">
-              <a14:hiddenLine xmlns:a14="http://schemas.microsoft.com/office/drawing/2010/main" w="9525">
-                <a:solidFill>
-                  <a:schemeClr val="tx1"/>
-                </a:solidFill>
-                <a:miter lim="800000"/>
-                <a:headEnd/>
-                <a:tailEnd/>
-              </a14:hiddenLine>
-            </a:ext>
-            <a:ext uri="{AF507438-7753-43E0-B8FC-AC1667EBCBE1}">
-              <a14:hiddenEffects xmlns:a14="http://schemas.microsoft.com/office/drawing/2010/main">
-                <a:effectLst>
-                  <a:outerShdw dist="35921" dir="2700000" algn="ctr" rotWithShape="0">
-                    <a:schemeClr val="bg2"/>
-                  </a:outerShdw>
-                </a:effectLst>
-              </a14:hiddenEffects>
-            </a:ext>
-          </a:extLst>
-        </p:spPr>
-        <p:txBody>
-          <a:bodyPr>
-            <a:spAutoFit/>
-          </a:bodyPr>
-          <a:lstStyle/>
-          <a:p>
-            <a:pPr algn="ctr">
-              <a:spcBef>
-                <a:spcPct val="50000"/>
-              </a:spcBef>
-            </a:pPr>
-            <a:r>
-              <a:rPr lang="es-MX" altLang="es-MX" sz="1200" dirty="0">
-                <a:latin typeface="Arial" panose="020B0604020202020204" pitchFamily="34" charset="0"/>
-              </a:rPr>
-              <a:t>Costo</a:t>
-            </a:r>
-            <a:endParaRPr lang="es-ES" altLang="es-MX" sz="1200" dirty="0">
-              <a:latin typeface="Arial" panose="020B0604020202020204" pitchFamily="34" charset="0"/>
-            </a:endParaRPr>
-          </a:p>
-        </p:txBody>
-      </p:sp>
-      <p:sp>
-        <p:nvSpPr>
           <p:cNvPr id="2166" name="Text Box 118"/>
           <p:cNvSpPr txBox="1">
             <a:spLocks noChangeArrowheads="1"/>
@@ -5991,59 +5741,6 @@
           <a:xfrm>
             <a:off x="7010400" y="4542408"/>
             <a:ext cx="1219200" cy="360363"/>
-          </a:xfrm>
-          <a:prstGeom prst="ellipse">
-            <a:avLst/>
-          </a:prstGeom>
-          <a:noFill/>
-          <a:ln w="9525">
-            <a:solidFill>
-              <a:schemeClr val="tx1"/>
-            </a:solidFill>
-            <a:round/>
-            <a:headEnd/>
-            <a:tailEnd/>
-          </a:ln>
-          <a:effectLst/>
-          <a:extLst>
-            <a:ext uri="{909E8E84-426E-40DD-AFC4-6F175D3DCCD1}">
-              <a14:hiddenFill xmlns:a14="http://schemas.microsoft.com/office/drawing/2010/main">
-                <a:solidFill>
-                  <a:schemeClr val="accent1"/>
-                </a:solidFill>
-              </a14:hiddenFill>
-            </a:ext>
-            <a:ext uri="{AF507438-7753-43E0-B8FC-AC1667EBCBE1}">
-              <a14:hiddenEffects xmlns:a14="http://schemas.microsoft.com/office/drawing/2010/main">
-                <a:effectLst>
-                  <a:outerShdw dist="35921" dir="2700000" algn="ctr" rotWithShape="0">
-                    <a:schemeClr val="bg2"/>
-                  </a:outerShdw>
-                </a:effectLst>
-              </a14:hiddenEffects>
-            </a:ext>
-          </a:extLst>
-        </p:spPr>
-        <p:txBody>
-          <a:bodyPr wrap="none" anchor="ctr"/>
-          <a:lstStyle/>
-          <a:p>
-            <a:endParaRPr lang="es-MX" dirty="0"/>
-          </a:p>
-        </p:txBody>
-      </p:sp>
-      <p:sp>
-        <p:nvSpPr>
-          <p:cNvPr id="2171" name="Oval 123"/>
-          <p:cNvSpPr>
-            <a:spLocks noChangeArrowheads="1"/>
-          </p:cNvSpPr>
-          <p:nvPr/>
-        </p:nvSpPr>
-        <p:spPr bwMode="auto">
-          <a:xfrm>
-            <a:off x="4734271" y="2706514"/>
-            <a:ext cx="1219200" cy="290438"/>
           </a:xfrm>
           <a:prstGeom prst="ellipse">
             <a:avLst/>
@@ -7323,79 +7020,6 @@
       </p:sp>
       <p:sp>
         <p:nvSpPr>
-          <p:cNvPr id="2248" name="Text Box 200"/>
-          <p:cNvSpPr txBox="1">
-            <a:spLocks noChangeArrowheads="1"/>
-          </p:cNvSpPr>
-          <p:nvPr/>
-        </p:nvSpPr>
-        <p:spPr bwMode="auto">
-          <a:xfrm>
-            <a:off x="4216400" y="3659188"/>
-            <a:ext cx="1066800" cy="274637"/>
-          </a:xfrm>
-          <a:prstGeom prst="rect">
-            <a:avLst/>
-          </a:prstGeom>
-          <a:noFill/>
-          <a:ln>
-            <a:noFill/>
-          </a:ln>
-          <a:effectLst/>
-          <a:extLst>
-            <a:ext uri="{909E8E84-426E-40DD-AFC4-6F175D3DCCD1}">
-              <a14:hiddenFill xmlns:a14="http://schemas.microsoft.com/office/drawing/2010/main">
-                <a:solidFill>
-                  <a:schemeClr val="accent1"/>
-                </a:solidFill>
-              </a14:hiddenFill>
-            </a:ext>
-            <a:ext uri="{91240B29-F687-4F45-9708-019B960494DF}">
-              <a14:hiddenLine xmlns:a14="http://schemas.microsoft.com/office/drawing/2010/main" w="9525">
-                <a:solidFill>
-                  <a:schemeClr val="tx1"/>
-                </a:solidFill>
-                <a:miter lim="800000"/>
-                <a:headEnd/>
-                <a:tailEnd/>
-              </a14:hiddenLine>
-            </a:ext>
-            <a:ext uri="{AF507438-7753-43E0-B8FC-AC1667EBCBE1}">
-              <a14:hiddenEffects xmlns:a14="http://schemas.microsoft.com/office/drawing/2010/main">
-                <a:effectLst>
-                  <a:outerShdw dist="35921" dir="2700000" algn="ctr" rotWithShape="0">
-                    <a:schemeClr val="bg2"/>
-                  </a:outerShdw>
-                </a:effectLst>
-              </a14:hiddenEffects>
-            </a:ext>
-          </a:extLst>
-        </p:spPr>
-        <p:txBody>
-          <a:bodyPr>
-            <a:spAutoFit/>
-          </a:bodyPr>
-          <a:lstStyle/>
-          <a:p>
-            <a:pPr algn="ctr">
-              <a:spcBef>
-                <a:spcPct val="50000"/>
-              </a:spcBef>
-            </a:pPr>
-            <a:r>
-              <a:rPr lang="es-MX" altLang="es-MX" sz="1200" dirty="0">
-                <a:latin typeface="Arial" panose="020B0604020202020204" pitchFamily="34" charset="0"/>
-              </a:rPr>
-              <a:t>Cantidad</a:t>
-            </a:r>
-            <a:endParaRPr lang="es-ES" altLang="es-MX" sz="1200" dirty="0">
-              <a:latin typeface="Arial" panose="020B0604020202020204" pitchFamily="34" charset="0"/>
-            </a:endParaRPr>
-          </a:p>
-        </p:txBody>
-      </p:sp>
-      <p:sp>
-        <p:nvSpPr>
           <p:cNvPr id="2250" name="Oval 202"/>
           <p:cNvSpPr>
             <a:spLocks noChangeArrowheads="1"/>
@@ -7449,59 +7073,6 @@
       </p:sp>
       <p:sp>
         <p:nvSpPr>
-          <p:cNvPr id="2252" name="Oval 204"/>
-          <p:cNvSpPr>
-            <a:spLocks noChangeArrowheads="1"/>
-          </p:cNvSpPr>
-          <p:nvPr/>
-        </p:nvSpPr>
-        <p:spPr bwMode="auto">
-          <a:xfrm>
-            <a:off x="4140200" y="3659188"/>
-            <a:ext cx="1219200" cy="274637"/>
-          </a:xfrm>
-          <a:prstGeom prst="ellipse">
-            <a:avLst/>
-          </a:prstGeom>
-          <a:noFill/>
-          <a:ln w="9525">
-            <a:solidFill>
-              <a:schemeClr val="tx1"/>
-            </a:solidFill>
-            <a:round/>
-            <a:headEnd/>
-            <a:tailEnd/>
-          </a:ln>
-          <a:effectLst/>
-          <a:extLst>
-            <a:ext uri="{909E8E84-426E-40DD-AFC4-6F175D3DCCD1}">
-              <a14:hiddenFill xmlns:a14="http://schemas.microsoft.com/office/drawing/2010/main">
-                <a:solidFill>
-                  <a:schemeClr val="accent1"/>
-                </a:solidFill>
-              </a14:hiddenFill>
-            </a:ext>
-            <a:ext uri="{AF507438-7753-43E0-B8FC-AC1667EBCBE1}">
-              <a14:hiddenEffects xmlns:a14="http://schemas.microsoft.com/office/drawing/2010/main">
-                <a:effectLst>
-                  <a:outerShdw dist="35921" dir="2700000" algn="ctr" rotWithShape="0">
-                    <a:schemeClr val="bg2"/>
-                  </a:outerShdw>
-                </a:effectLst>
-              </a14:hiddenEffects>
-            </a:ext>
-          </a:extLst>
-        </p:spPr>
-        <p:txBody>
-          <a:bodyPr wrap="none" anchor="ctr"/>
-          <a:lstStyle/>
-          <a:p>
-            <a:endParaRPr lang="es-MX" dirty="0"/>
-          </a:p>
-        </p:txBody>
-      </p:sp>
-      <p:sp>
-        <p:nvSpPr>
           <p:cNvPr id="2253" name="Line 205"/>
           <p:cNvSpPr>
             <a:spLocks noChangeShapeType="1"/>
@@ -7669,108 +7240,6 @@
             <a:endParaRPr lang="es-ES" altLang="es-MX" sz="1600" b="1" dirty="0">
               <a:latin typeface="Arial" panose="020B0604020202020204" pitchFamily="34" charset="0"/>
             </a:endParaRPr>
-          </a:p>
-        </p:txBody>
-      </p:sp>
-      <p:sp>
-        <p:nvSpPr>
-          <p:cNvPr id="2264" name="Line 216"/>
-          <p:cNvSpPr>
-            <a:spLocks noChangeShapeType="1"/>
-          </p:cNvSpPr>
-          <p:nvPr/>
-        </p:nvSpPr>
-        <p:spPr bwMode="auto">
-          <a:xfrm flipH="1">
-            <a:off x="4461010" y="2821393"/>
-            <a:ext cx="279825" cy="6696"/>
-          </a:xfrm>
-          <a:prstGeom prst="line">
-            <a:avLst/>
-          </a:prstGeom>
-          <a:noFill/>
-          <a:ln w="9525">
-            <a:solidFill>
-              <a:schemeClr val="tx1"/>
-            </a:solidFill>
-            <a:round/>
-            <a:headEnd/>
-            <a:tailEnd/>
-          </a:ln>
-          <a:effectLst/>
-          <a:extLst>
-            <a:ext uri="{909E8E84-426E-40DD-AFC4-6F175D3DCCD1}">
-              <a14:hiddenFill xmlns:a14="http://schemas.microsoft.com/office/drawing/2010/main">
-                <a:noFill/>
-              </a14:hiddenFill>
-            </a:ext>
-            <a:ext uri="{AF507438-7753-43E0-B8FC-AC1667EBCBE1}">
-              <a14:hiddenEffects xmlns:a14="http://schemas.microsoft.com/office/drawing/2010/main">
-                <a:effectLst>
-                  <a:outerShdw dist="35921" dir="2700000" algn="ctr" rotWithShape="0">
-                    <a:schemeClr val="bg2"/>
-                  </a:outerShdw>
-                </a:effectLst>
-              </a14:hiddenEffects>
-            </a:ext>
-          </a:extLst>
-        </p:spPr>
-        <p:txBody>
-          <a:bodyPr/>
-          <a:lstStyle/>
-          <a:p>
-            <a:endParaRPr lang="es-MX" dirty="0"/>
-          </a:p>
-        </p:txBody>
-      </p:sp>
-      <p:sp>
-        <p:nvSpPr>
-          <p:cNvPr id="2265" name="Line 217"/>
-          <p:cNvSpPr>
-            <a:spLocks noChangeShapeType="1"/>
-          </p:cNvSpPr>
-          <p:nvPr/>
-        </p:nvSpPr>
-        <p:spPr bwMode="auto">
-          <a:xfrm flipH="1" flipV="1">
-            <a:off x="4452143" y="3398838"/>
-            <a:ext cx="264319" cy="246061"/>
-          </a:xfrm>
-          <a:prstGeom prst="line">
-            <a:avLst/>
-          </a:prstGeom>
-          <a:noFill/>
-          <a:ln w="9525">
-            <a:solidFill>
-              <a:schemeClr val="tx1"/>
-            </a:solidFill>
-            <a:round/>
-            <a:headEnd/>
-            <a:tailEnd/>
-          </a:ln>
-          <a:effectLst/>
-          <a:extLst>
-            <a:ext uri="{909E8E84-426E-40DD-AFC4-6F175D3DCCD1}">
-              <a14:hiddenFill xmlns:a14="http://schemas.microsoft.com/office/drawing/2010/main">
-                <a:noFill/>
-              </a14:hiddenFill>
-            </a:ext>
-            <a:ext uri="{AF507438-7753-43E0-B8FC-AC1667EBCBE1}">
-              <a14:hiddenEffects xmlns:a14="http://schemas.microsoft.com/office/drawing/2010/main">
-                <a:effectLst>
-                  <a:outerShdw dist="35921" dir="2700000" algn="ctr" rotWithShape="0">
-                    <a:schemeClr val="bg2"/>
-                  </a:outerShdw>
-                </a:effectLst>
-              </a14:hiddenEffects>
-            </a:ext>
-          </a:extLst>
-        </p:spPr>
-        <p:txBody>
-          <a:bodyPr/>
-          <a:lstStyle/>
-          <a:p>
-            <a:endParaRPr lang="es-MX" dirty="0"/>
           </a:p>
         </p:txBody>
       </p:sp>
